--- a/cos731_fa2_topic_e.pptx
+++ b/cos731_fa2_topic_e.pptx
@@ -7811,7 +7811,7 @@
           <a:p>
             <a:fld id="{B191302E-FB1D-489A-989C-CD077D6F1F44}" type="datetimeFigureOut">
               <a:rPr lang="en-ZA" smtClean="0"/>
-              <a:t>2025/04/22</a:t>
+              <a:t>2025/04/23</a:t>
             </a:fld>
             <a:endParaRPr lang="en-ZA"/>
           </a:p>
@@ -9954,7 +9954,7 @@
           <a:p>
             <a:fld id="{80F60082-4E3F-4640-9256-8D4712066D73}" type="datetimeFigureOut">
               <a:rPr lang="en-ZA" smtClean="0"/>
-              <a:t>2025/04/22</a:t>
+              <a:t>2025/04/23</a:t>
             </a:fld>
             <a:endParaRPr lang="en-ZA"/>
           </a:p>
@@ -10154,7 +10154,7 @@
           <a:p>
             <a:fld id="{80F60082-4E3F-4640-9256-8D4712066D73}" type="datetimeFigureOut">
               <a:rPr lang="en-ZA" smtClean="0"/>
-              <a:t>2025/04/22</a:t>
+              <a:t>2025/04/23</a:t>
             </a:fld>
             <a:endParaRPr lang="en-ZA"/>
           </a:p>
@@ -10364,7 +10364,7 @@
           <a:p>
             <a:fld id="{80F60082-4E3F-4640-9256-8D4712066D73}" type="datetimeFigureOut">
               <a:rPr lang="en-ZA" smtClean="0"/>
-              <a:t>2025/04/22</a:t>
+              <a:t>2025/04/23</a:t>
             </a:fld>
             <a:endParaRPr lang="en-ZA"/>
           </a:p>
@@ -10564,7 +10564,7 @@
           <a:p>
             <a:fld id="{80F60082-4E3F-4640-9256-8D4712066D73}" type="datetimeFigureOut">
               <a:rPr lang="en-ZA" smtClean="0"/>
-              <a:t>2025/04/22</a:t>
+              <a:t>2025/04/23</a:t>
             </a:fld>
             <a:endParaRPr lang="en-ZA"/>
           </a:p>
@@ -10840,7 +10840,7 @@
           <a:p>
             <a:fld id="{80F60082-4E3F-4640-9256-8D4712066D73}" type="datetimeFigureOut">
               <a:rPr lang="en-ZA" smtClean="0"/>
-              <a:t>2025/04/22</a:t>
+              <a:t>2025/04/23</a:t>
             </a:fld>
             <a:endParaRPr lang="en-ZA"/>
           </a:p>
@@ -11108,7 +11108,7 @@
           <a:p>
             <a:fld id="{80F60082-4E3F-4640-9256-8D4712066D73}" type="datetimeFigureOut">
               <a:rPr lang="en-ZA" smtClean="0"/>
-              <a:t>2025/04/22</a:t>
+              <a:t>2025/04/23</a:t>
             </a:fld>
             <a:endParaRPr lang="en-ZA"/>
           </a:p>
@@ -11523,7 +11523,7 @@
           <a:p>
             <a:fld id="{80F60082-4E3F-4640-9256-8D4712066D73}" type="datetimeFigureOut">
               <a:rPr lang="en-ZA" smtClean="0"/>
-              <a:t>2025/04/22</a:t>
+              <a:t>2025/04/23</a:t>
             </a:fld>
             <a:endParaRPr lang="en-ZA"/>
           </a:p>
@@ -11665,7 +11665,7 @@
           <a:p>
             <a:fld id="{80F60082-4E3F-4640-9256-8D4712066D73}" type="datetimeFigureOut">
               <a:rPr lang="en-ZA" smtClean="0"/>
-              <a:t>2025/04/22</a:t>
+              <a:t>2025/04/23</a:t>
             </a:fld>
             <a:endParaRPr lang="en-ZA"/>
           </a:p>
@@ -11778,7 +11778,7 @@
           <a:p>
             <a:fld id="{80F60082-4E3F-4640-9256-8D4712066D73}" type="datetimeFigureOut">
               <a:rPr lang="en-ZA" smtClean="0"/>
-              <a:t>2025/04/22</a:t>
+              <a:t>2025/04/23</a:t>
             </a:fld>
             <a:endParaRPr lang="en-ZA"/>
           </a:p>
@@ -12091,7 +12091,7 @@
           <a:p>
             <a:fld id="{80F60082-4E3F-4640-9256-8D4712066D73}" type="datetimeFigureOut">
               <a:rPr lang="en-ZA" smtClean="0"/>
-              <a:t>2025/04/22</a:t>
+              <a:t>2025/04/23</a:t>
             </a:fld>
             <a:endParaRPr lang="en-ZA"/>
           </a:p>
@@ -12380,7 +12380,7 @@
           <a:p>
             <a:fld id="{80F60082-4E3F-4640-9256-8D4712066D73}" type="datetimeFigureOut">
               <a:rPr lang="en-ZA" smtClean="0"/>
-              <a:t>2025/04/22</a:t>
+              <a:t>2025/04/23</a:t>
             </a:fld>
             <a:endParaRPr lang="en-ZA"/>
           </a:p>
@@ -12623,7 +12623,7 @@
           <a:p>
             <a:fld id="{80F60082-4E3F-4640-9256-8D4712066D73}" type="datetimeFigureOut">
               <a:rPr lang="en-ZA" smtClean="0"/>
-              <a:t>2025/04/22</a:t>
+              <a:t>2025/04/23</a:t>
             </a:fld>
             <a:endParaRPr lang="en-ZA"/>
           </a:p>
@@ -20645,7 +20645,25 @@
                 </a:solidFill>
                 <a:latin typeface="+mj-lt"/>
               </a:rPr>
-              <a:t> $ ansible-vault init vault.yml</a:t>
+              <a:t> $ </a:t>
+            </a:r>
+            <a:r>
+              <a:rPr lang="en-ZA" sz="3200" i="1">
+                <a:solidFill>
+                  <a:schemeClr val="bg1"/>
+                </a:solidFill>
+                <a:latin typeface="+mj-lt"/>
+              </a:rPr>
+              <a:t>ansible-vault create </a:t>
+            </a:r>
+            <a:r>
+              <a:rPr lang="en-ZA" sz="3200" i="1" dirty="0">
+                <a:solidFill>
+                  <a:schemeClr val="bg1"/>
+                </a:solidFill>
+                <a:latin typeface="+mj-lt"/>
+              </a:rPr>
+              <a:t>vault.yml</a:t>
             </a:r>
           </a:p>
         </p:txBody>
@@ -22103,20 +22121,20 @@
 </file>
 
 <file path=customXml/item2.xml><?xml version="1.0" encoding="utf-8"?>
-<p:properties xmlns:p="http://schemas.microsoft.com/office/2006/metadata/properties" xmlns:xsi="http://www.w3.org/2001/XMLSchema-instance" xmlns:pc="http://schemas.microsoft.com/office/infopath/2007/PartnerControls">
-  <documentManagement>
-    <_activity xmlns="866343f2-fa5c-4a40-a981-4151c2fdcc58" xsi:nil="true"/>
-  </documentManagement>
-</p:properties>
-</file>
-
-<file path=customXml/item3.xml><?xml version="1.0" encoding="utf-8"?>
 <?mso-contentType ?>
 <FormTemplates xmlns="http://schemas.microsoft.com/sharepoint/v3/contenttype/forms">
   <Display>DocumentLibraryForm</Display>
   <Edit>DocumentLibraryForm</Edit>
   <New>DocumentLibraryForm</New>
 </FormTemplates>
+</file>
+
+<file path=customXml/item3.xml><?xml version="1.0" encoding="utf-8"?>
+<p:properties xmlns:p="http://schemas.microsoft.com/office/2006/metadata/properties" xmlns:xsi="http://www.w3.org/2001/XMLSchema-instance" xmlns:pc="http://schemas.microsoft.com/office/infopath/2007/PartnerControls">
+  <documentManagement>
+    <_activity xmlns="866343f2-fa5c-4a40-a981-4151c2fdcc58" xsi:nil="true"/>
+  </documentManagement>
+</p:properties>
 </file>
 
 <file path=customXml/itemProps1.xml><?xml version="1.0" encoding="utf-8"?>
@@ -22139,6 +22157,14 @@
 </file>
 
 <file path=customXml/itemProps2.xml><?xml version="1.0" encoding="utf-8"?>
+<ds:datastoreItem xmlns:ds="http://schemas.openxmlformats.org/officeDocument/2006/customXml" ds:itemID="{557EB082-4105-4F0D-94CE-E4327D1FD2EE}">
+  <ds:schemaRefs>
+    <ds:schemaRef ds:uri="http://schemas.microsoft.com/sharepoint/v3/contenttype/forms"/>
+  </ds:schemaRefs>
+</ds:datastoreItem>
+</file>
+
+<file path=customXml/itemProps3.xml><?xml version="1.0" encoding="utf-8"?>
 <ds:datastoreItem xmlns:ds="http://schemas.openxmlformats.org/officeDocument/2006/customXml" ds:itemID="{E0E3C761-87E4-4BB9-AE0C-1DE2E4CCD321}">
   <ds:schemaRefs>
     <ds:schemaRef ds:uri="http://schemas.microsoft.com/office/2006/documentManagement/types"/>
@@ -22153,12 +22179,4 @@
     <ds:schemaRef ds:uri="866343f2-fa5c-4a40-a981-4151c2fdcc58"/>
   </ds:schemaRefs>
 </ds:datastoreItem>
-</file>
-
-<file path=customXml/itemProps3.xml><?xml version="1.0" encoding="utf-8"?>
-<ds:datastoreItem xmlns:ds="http://schemas.openxmlformats.org/officeDocument/2006/customXml" ds:itemID="{557EB082-4105-4F0D-94CE-E4327D1FD2EE}">
-  <ds:schemaRefs>
-    <ds:schemaRef ds:uri="http://schemas.microsoft.com/sharepoint/v3/contenttype/forms"/>
-  </ds:schemaRefs>
-</ds:datastoreItem>
 </file>